--- a/Fihirana Fanampiny/FF 33.pptx
+++ b/Fihirana Fanampiny/FF 33.pptx
@@ -323,7 +323,7 @@
           <a:p>
             <a:fld id="{72D6622D-86B6-45D0-A381-48A0BFB86294}" type="datetimeFigureOut">
               <a:rPr lang="fr-FR" smtClean="0"/>
-              <a:t>21/03/2015</a:t>
+              <a:t>14/12/2025</a:t>
             </a:fld>
             <a:endParaRPr lang="fr-FR"/>
           </a:p>
@@ -759,7 +759,7 @@
           <a:p>
             <a:fld id="{72D6622D-86B6-45D0-A381-48A0BFB86294}" type="datetimeFigureOut">
               <a:rPr lang="fr-FR" smtClean="0"/>
-              <a:t>21/03/2015</a:t>
+              <a:t>14/12/2025</a:t>
             </a:fld>
             <a:endParaRPr lang="fr-FR"/>
           </a:p>
@@ -1009,7 +1009,7 @@
           <a:p>
             <a:fld id="{72D6622D-86B6-45D0-A381-48A0BFB86294}" type="datetimeFigureOut">
               <a:rPr lang="fr-FR" smtClean="0"/>
-              <a:t>21/03/2015</a:t>
+              <a:t>14/12/2025</a:t>
             </a:fld>
             <a:endParaRPr lang="fr-FR"/>
           </a:p>
@@ -1317,7 +1317,7 @@
           <a:p>
             <a:fld id="{72D6622D-86B6-45D0-A381-48A0BFB86294}" type="datetimeFigureOut">
               <a:rPr lang="fr-FR" smtClean="0"/>
-              <a:t>21/03/2015</a:t>
+              <a:t>14/12/2025</a:t>
             </a:fld>
             <a:endParaRPr lang="fr-FR"/>
           </a:p>
@@ -1635,7 +1635,7 @@
           <a:p>
             <a:fld id="{72D6622D-86B6-45D0-A381-48A0BFB86294}" type="datetimeFigureOut">
               <a:rPr lang="fr-FR" smtClean="0"/>
-              <a:t>21/03/2015</a:t>
+              <a:t>14/12/2025</a:t>
             </a:fld>
             <a:endParaRPr lang="fr-FR"/>
           </a:p>
@@ -1937,7 +1937,7 @@
           <a:p>
             <a:fld id="{72D6622D-86B6-45D0-A381-48A0BFB86294}" type="datetimeFigureOut">
               <a:rPr lang="fr-FR" smtClean="0"/>
-              <a:t>21/03/2015</a:t>
+              <a:t>14/12/2025</a:t>
             </a:fld>
             <a:endParaRPr lang="fr-FR"/>
           </a:p>
@@ -2304,7 +2304,7 @@
           <a:p>
             <a:fld id="{72D6622D-86B6-45D0-A381-48A0BFB86294}" type="datetimeFigureOut">
               <a:rPr lang="fr-FR" smtClean="0"/>
-              <a:t>21/03/2015</a:t>
+              <a:t>14/12/2025</a:t>
             </a:fld>
             <a:endParaRPr lang="fr-FR"/>
           </a:p>
@@ -2478,7 +2478,7 @@
           <a:p>
             <a:fld id="{72D6622D-86B6-45D0-A381-48A0BFB86294}" type="datetimeFigureOut">
               <a:rPr lang="fr-FR" smtClean="0"/>
-              <a:t>21/03/2015</a:t>
+              <a:t>14/12/2025</a:t>
             </a:fld>
             <a:endParaRPr lang="fr-FR"/>
           </a:p>
@@ -2658,7 +2658,7 @@
           <a:p>
             <a:fld id="{72D6622D-86B6-45D0-A381-48A0BFB86294}" type="datetimeFigureOut">
               <a:rPr lang="fr-FR" smtClean="0"/>
-              <a:t>21/03/2015</a:t>
+              <a:t>14/12/2025</a:t>
             </a:fld>
             <a:endParaRPr lang="fr-FR"/>
           </a:p>
@@ -2828,7 +2828,7 @@
           <a:p>
             <a:fld id="{72D6622D-86B6-45D0-A381-48A0BFB86294}" type="datetimeFigureOut">
               <a:rPr lang="fr-FR" smtClean="0"/>
-              <a:t>21/03/2015</a:t>
+              <a:t>14/12/2025</a:t>
             </a:fld>
             <a:endParaRPr lang="fr-FR"/>
           </a:p>
@@ -3078,7 +3078,7 @@
           <a:p>
             <a:fld id="{72D6622D-86B6-45D0-A381-48A0BFB86294}" type="datetimeFigureOut">
               <a:rPr lang="fr-FR" smtClean="0"/>
-              <a:t>21/03/2015</a:t>
+              <a:t>14/12/2025</a:t>
             </a:fld>
             <a:endParaRPr lang="fr-FR"/>
           </a:p>
@@ -3314,7 +3314,7 @@
           <a:p>
             <a:fld id="{72D6622D-86B6-45D0-A381-48A0BFB86294}" type="datetimeFigureOut">
               <a:rPr lang="fr-FR" smtClean="0"/>
-              <a:t>21/03/2015</a:t>
+              <a:t>14/12/2025</a:t>
             </a:fld>
             <a:endParaRPr lang="fr-FR"/>
           </a:p>
@@ -3696,7 +3696,7 @@
           <a:p>
             <a:fld id="{72D6622D-86B6-45D0-A381-48A0BFB86294}" type="datetimeFigureOut">
               <a:rPr lang="fr-FR" smtClean="0"/>
-              <a:t>21/03/2015</a:t>
+              <a:t>14/12/2025</a:t>
             </a:fld>
             <a:endParaRPr lang="fr-FR"/>
           </a:p>
@@ -3814,7 +3814,7 @@
           <a:p>
             <a:fld id="{72D6622D-86B6-45D0-A381-48A0BFB86294}" type="datetimeFigureOut">
               <a:rPr lang="fr-FR" smtClean="0"/>
-              <a:t>21/03/2015</a:t>
+              <a:t>14/12/2025</a:t>
             </a:fld>
             <a:endParaRPr lang="fr-FR"/>
           </a:p>
@@ -3909,7 +3909,7 @@
           <a:p>
             <a:fld id="{72D6622D-86B6-45D0-A381-48A0BFB86294}" type="datetimeFigureOut">
               <a:rPr lang="fr-FR" smtClean="0"/>
-              <a:t>21/03/2015</a:t>
+              <a:t>14/12/2025</a:t>
             </a:fld>
             <a:endParaRPr lang="fr-FR"/>
           </a:p>
@@ -4164,7 +4164,7 @@
           <a:p>
             <a:fld id="{72D6622D-86B6-45D0-A381-48A0BFB86294}" type="datetimeFigureOut">
               <a:rPr lang="fr-FR" smtClean="0"/>
-              <a:t>21/03/2015</a:t>
+              <a:t>14/12/2025</a:t>
             </a:fld>
             <a:endParaRPr lang="fr-FR"/>
           </a:p>
@@ -4447,7 +4447,7 @@
           <a:p>
             <a:fld id="{72D6622D-86B6-45D0-A381-48A0BFB86294}" type="datetimeFigureOut">
               <a:rPr lang="fr-FR" smtClean="0"/>
-              <a:t>21/03/2015</a:t>
+              <a:t>14/12/2025</a:t>
             </a:fld>
             <a:endParaRPr lang="fr-FR"/>
           </a:p>
@@ -4853,7 +4853,7 @@
           <a:p>
             <a:fld id="{72D6622D-86B6-45D0-A381-48A0BFB86294}" type="datetimeFigureOut">
               <a:rPr lang="fr-FR" smtClean="0"/>
-              <a:t>21/03/2015</a:t>
+              <a:t>14/12/2025</a:t>
             </a:fld>
             <a:endParaRPr lang="fr-FR"/>
           </a:p>
@@ -5907,7 +5907,7 @@
         <p:spPr>
           <a:xfrm>
             <a:off x="0" y="579120"/>
-            <a:ext cx="12192000" cy="6001643"/>
+            <a:ext cx="12192000" cy="5016758"/>
           </a:xfrm>
           <a:prstGeom prst="rect">
             <a:avLst/>
@@ -5924,43 +5924,43 @@
               <a:buAutoNum type="arabicPeriod"/>
             </a:pPr>
             <a:r>
-              <a:rPr lang="en-GB" sz="9600" dirty="0" err="1" smtClean="0">
+              <a:rPr lang="en-GB" sz="8000" dirty="0" err="1" smtClean="0">
                 <a:latin typeface="Adobe Garamond Pro Bold" panose="02020702060506020403" pitchFamily="18" charset="0"/>
               </a:rPr>
               <a:t>Inty</a:t>
             </a:r>
             <a:r>
-              <a:rPr lang="en-GB" sz="9600" dirty="0" smtClean="0">
-                <a:latin typeface="Adobe Garamond Pro Bold" panose="02020702060506020403" pitchFamily="18" charset="0"/>
-              </a:rPr>
-              <a:t> </a:t>
-            </a:r>
-            <a:r>
-              <a:rPr lang="en-GB" sz="9600" dirty="0" err="1">
+              <a:rPr lang="en-GB" sz="8000" dirty="0" smtClean="0">
+                <a:latin typeface="Adobe Garamond Pro Bold" panose="02020702060506020403" pitchFamily="18" charset="0"/>
+              </a:rPr>
+              <a:t> </a:t>
+            </a:r>
+            <a:r>
+              <a:rPr lang="en-GB" sz="8000" dirty="0" err="1">
                 <a:latin typeface="Adobe Garamond Pro Bold" panose="02020702060506020403" pitchFamily="18" charset="0"/>
               </a:rPr>
               <a:t>aho</a:t>
             </a:r>
             <a:r>
-              <a:rPr lang="en-GB" sz="9600" dirty="0">
-                <a:latin typeface="Adobe Garamond Pro Bold" panose="02020702060506020403" pitchFamily="18" charset="0"/>
-              </a:rPr>
-              <a:t> </a:t>
-            </a:r>
-            <a:r>
-              <a:rPr lang="en-GB" sz="9600" dirty="0" err="1">
+              <a:rPr lang="en-GB" sz="8000" dirty="0">
+                <a:latin typeface="Adobe Garamond Pro Bold" panose="02020702060506020403" pitchFamily="18" charset="0"/>
+              </a:rPr>
+              <a:t> </a:t>
+            </a:r>
+            <a:r>
+              <a:rPr lang="en-GB" sz="8000" dirty="0" err="1">
                 <a:latin typeface="Adobe Garamond Pro Bold" panose="02020702060506020403" pitchFamily="18" charset="0"/>
               </a:rPr>
               <a:t>Jesoa</a:t>
             </a:r>
             <a:r>
-              <a:rPr lang="en-GB" sz="9600" dirty="0">
-                <a:latin typeface="Adobe Garamond Pro Bold" panose="02020702060506020403" pitchFamily="18" charset="0"/>
-              </a:rPr>
-              <a:t> </a:t>
-            </a:r>
-            <a:r>
-              <a:rPr lang="en-GB" sz="9600" dirty="0" smtClean="0">
+              <a:rPr lang="en-GB" sz="8000" dirty="0">
+                <a:latin typeface="Adobe Garamond Pro Bold" panose="02020702060506020403" pitchFamily="18" charset="0"/>
+              </a:rPr>
+              <a:t> </a:t>
+            </a:r>
+            <a:r>
+              <a:rPr lang="en-GB" sz="8000" dirty="0" smtClean="0">
                 <a:latin typeface="Adobe Garamond Pro Bold" panose="02020702060506020403" pitchFamily="18" charset="0"/>
               </a:rPr>
               <a:t>!</a:t>
@@ -5969,42 +5969,42 @@
           <a:p>
             <a:pPr algn="ctr"/>
             <a:r>
-              <a:rPr lang="en-GB" sz="9600" dirty="0" smtClean="0">
+              <a:rPr lang="en-GB" sz="8000" dirty="0" smtClean="0">
                 <a:latin typeface="Adobe Garamond Pro Bold" panose="02020702060506020403" pitchFamily="18" charset="0"/>
               </a:rPr>
               <a:t>    </a:t>
             </a:r>
             <a:r>
-              <a:rPr lang="en-GB" sz="9600" dirty="0" err="1">
+              <a:rPr lang="en-GB" sz="8000" dirty="0" err="1">
                 <a:latin typeface="Adobe Garamond Pro Bold" panose="02020702060506020403" pitchFamily="18" charset="0"/>
               </a:rPr>
               <a:t>Miantso</a:t>
             </a:r>
             <a:r>
-              <a:rPr lang="en-GB" sz="9600" dirty="0">
-                <a:latin typeface="Adobe Garamond Pro Bold" panose="02020702060506020403" pitchFamily="18" charset="0"/>
-              </a:rPr>
-              <a:t> </a:t>
-            </a:r>
-            <a:r>
-              <a:rPr lang="en-GB" sz="9600" dirty="0" err="1">
+              <a:rPr lang="en-GB" sz="8000" dirty="0">
+                <a:latin typeface="Adobe Garamond Pro Bold" panose="02020702060506020403" pitchFamily="18" charset="0"/>
+              </a:rPr>
+              <a:t> </a:t>
+            </a:r>
+            <a:r>
+              <a:rPr lang="en-GB" sz="8000" dirty="0" err="1">
                 <a:latin typeface="Adobe Garamond Pro Bold" panose="02020702060506020403" pitchFamily="18" charset="0"/>
               </a:rPr>
               <a:t>ahy</a:t>
             </a:r>
             <a:r>
-              <a:rPr lang="en-GB" sz="9600" dirty="0">
-                <a:latin typeface="Adobe Garamond Pro Bold" panose="02020702060506020403" pitchFamily="18" charset="0"/>
-              </a:rPr>
-              <a:t> </a:t>
-            </a:r>
-            <a:r>
-              <a:rPr lang="en-GB" sz="9600" dirty="0" err="1">
+              <a:rPr lang="en-GB" sz="8000" dirty="0">
+                <a:latin typeface="Adobe Garamond Pro Bold" panose="02020702060506020403" pitchFamily="18" charset="0"/>
+              </a:rPr>
+              <a:t> </a:t>
+            </a:r>
+            <a:r>
+              <a:rPr lang="en-GB" sz="8000" dirty="0" err="1">
                 <a:latin typeface="Adobe Garamond Pro Bold" panose="02020702060506020403" pitchFamily="18" charset="0"/>
               </a:rPr>
               <a:t>Hianao</a:t>
             </a:r>
-            <a:endParaRPr lang="fr-FR" sz="9600" dirty="0" smtClean="0">
+            <a:endParaRPr lang="fr-FR" sz="8000" dirty="0" smtClean="0">
               <a:effectLst/>
               <a:latin typeface="Adobe Garamond Pro Bold" panose="02020702060506020403" pitchFamily="18" charset="0"/>
             </a:endParaRPr>
@@ -6012,49 +6012,49 @@
           <a:p>
             <a:pPr algn="ctr"/>
             <a:r>
-              <a:rPr lang="en-GB" sz="9600" dirty="0">
+              <a:rPr lang="en-GB" sz="8000" dirty="0">
                 <a:latin typeface="Adobe Garamond Pro Bold" panose="02020702060506020403" pitchFamily="18" charset="0"/>
               </a:rPr>
               <a:t>  </a:t>
             </a:r>
             <a:r>
-              <a:rPr lang="en-GB" sz="9600" dirty="0" smtClean="0">
+              <a:rPr lang="en-GB" sz="8000" dirty="0" smtClean="0">
                 <a:latin typeface="Adobe Garamond Pro Bold" panose="02020702060506020403" pitchFamily="18" charset="0"/>
               </a:rPr>
               <a:t>Na </a:t>
             </a:r>
             <a:r>
-              <a:rPr lang="en-GB" sz="9600" dirty="0" err="1">
+              <a:rPr lang="en-GB" sz="8000" dirty="0" err="1">
                 <a:latin typeface="Adobe Garamond Pro Bold" panose="02020702060506020403" pitchFamily="18" charset="0"/>
               </a:rPr>
               <a:t>dia</a:t>
             </a:r>
             <a:r>
-              <a:rPr lang="en-GB" sz="9600" dirty="0">
-                <a:latin typeface="Adobe Garamond Pro Bold" panose="02020702060506020403" pitchFamily="18" charset="0"/>
-              </a:rPr>
-              <a:t> </a:t>
-            </a:r>
-            <a:r>
-              <a:rPr lang="en-GB" sz="9600" dirty="0" err="1">
+              <a:rPr lang="en-GB" sz="8000" dirty="0">
+                <a:latin typeface="Adobe Garamond Pro Bold" panose="02020702060506020403" pitchFamily="18" charset="0"/>
+              </a:rPr>
+              <a:t> </a:t>
+            </a:r>
+            <a:r>
+              <a:rPr lang="en-GB" sz="8000" dirty="0" err="1">
                 <a:latin typeface="Adobe Garamond Pro Bold" panose="02020702060506020403" pitchFamily="18" charset="0"/>
               </a:rPr>
               <a:t>tsy</a:t>
             </a:r>
             <a:r>
-              <a:rPr lang="en-GB" sz="9600" dirty="0">
-                <a:latin typeface="Adobe Garamond Pro Bold" panose="02020702060506020403" pitchFamily="18" charset="0"/>
-              </a:rPr>
-              <a:t> </a:t>
-            </a:r>
-            <a:r>
-              <a:rPr lang="en-GB" sz="9600" dirty="0" err="1" smtClean="0">
+              <a:rPr lang="en-GB" sz="8000" dirty="0">
+                <a:latin typeface="Adobe Garamond Pro Bold" panose="02020702060506020403" pitchFamily="18" charset="0"/>
+              </a:rPr>
+              <a:t> </a:t>
+            </a:r>
+            <a:r>
+              <a:rPr lang="en-GB" sz="8000" dirty="0" err="1" smtClean="0">
                 <a:latin typeface="Adobe Garamond Pro Bold" panose="02020702060506020403" pitchFamily="18" charset="0"/>
               </a:rPr>
               <a:t>mendrika</a:t>
             </a:r>
             <a:r>
-              <a:rPr lang="en-GB" sz="9600" dirty="0" smtClean="0">
+              <a:rPr lang="en-GB" sz="8000" dirty="0" smtClean="0">
                 <a:latin typeface="Adobe Garamond Pro Bold" panose="02020702060506020403" pitchFamily="18" charset="0"/>
               </a:rPr>
               <a:t> e,</a:t>
@@ -6063,30 +6063,30 @@
           <a:p>
             <a:pPr algn="ctr"/>
             <a:r>
-              <a:rPr lang="en-GB" sz="9600" dirty="0" err="1" smtClean="0">
+              <a:rPr lang="en-GB" sz="8000" dirty="0" err="1" smtClean="0">
                 <a:latin typeface="Adobe Garamond Pro Bold" panose="02020702060506020403" pitchFamily="18" charset="0"/>
               </a:rPr>
               <a:t>manolo-tena</a:t>
             </a:r>
             <a:r>
-              <a:rPr lang="en-GB" sz="9600" dirty="0" smtClean="0">
-                <a:latin typeface="Adobe Garamond Pro Bold" panose="02020702060506020403" pitchFamily="18" charset="0"/>
-              </a:rPr>
-              <a:t> </a:t>
-            </a:r>
-            <a:r>
-              <a:rPr lang="en-GB" sz="9600" dirty="0" err="1" smtClean="0">
+              <a:rPr lang="en-GB" sz="8000" dirty="0" smtClean="0">
+                <a:latin typeface="Adobe Garamond Pro Bold" panose="02020702060506020403" pitchFamily="18" charset="0"/>
+              </a:rPr>
+              <a:t> </a:t>
+            </a:r>
+            <a:r>
+              <a:rPr lang="en-GB" sz="8000" dirty="0" err="1" smtClean="0">
                 <a:latin typeface="Adobe Garamond Pro Bold" panose="02020702060506020403" pitchFamily="18" charset="0"/>
               </a:rPr>
               <a:t>izao</a:t>
             </a:r>
             <a:r>
-              <a:rPr lang="en-GB" sz="9600" dirty="0" smtClean="0">
+              <a:rPr lang="en-GB" sz="8000" dirty="0" smtClean="0">
                 <a:latin typeface="Adobe Garamond Pro Bold" panose="02020702060506020403" pitchFamily="18" charset="0"/>
               </a:rPr>
               <a:t>   </a:t>
             </a:r>
-            <a:endParaRPr lang="fr-FR" sz="9600" dirty="0">
+            <a:endParaRPr lang="fr-FR" sz="8000" dirty="0">
               <a:latin typeface="Adobe Garamond Pro Bold" panose="02020702060506020403" pitchFamily="18" charset="0"/>
             </a:endParaRPr>
           </a:p>
@@ -6138,7 +6138,7 @@
         <p:spPr>
           <a:xfrm>
             <a:off x="0" y="289560"/>
-            <a:ext cx="12192000" cy="6001643"/>
+            <a:ext cx="12192000" cy="5509200"/>
           </a:xfrm>
           <a:prstGeom prst="rect">
             <a:avLst/>
@@ -6153,90 +6153,90 @@
           <a:p>
             <a:pPr algn="ctr"/>
             <a:r>
-              <a:rPr lang="en-GB" sz="9600" dirty="0" err="1" smtClean="0">
+              <a:rPr lang="en-GB" sz="8800" dirty="0" err="1" smtClean="0">
                 <a:latin typeface="Adobe Garamond Pro Bold" panose="02020702060506020403" pitchFamily="18" charset="0"/>
               </a:rPr>
               <a:t>Ianao</a:t>
             </a:r>
             <a:r>
-              <a:rPr lang="en-GB" sz="9600" dirty="0" smtClean="0">
-                <a:latin typeface="Adobe Garamond Pro Bold" panose="02020702060506020403" pitchFamily="18" charset="0"/>
-              </a:rPr>
-              <a:t> </a:t>
-            </a:r>
-            <a:r>
-              <a:rPr lang="en-GB" sz="9600" dirty="0">
+              <a:rPr lang="en-GB" sz="8800" dirty="0" smtClean="0">
+                <a:latin typeface="Adobe Garamond Pro Bold" panose="02020702060506020403" pitchFamily="18" charset="0"/>
+              </a:rPr>
+              <a:t> </a:t>
+            </a:r>
+            <a:r>
+              <a:rPr lang="en-GB" sz="8800" dirty="0">
                 <a:latin typeface="Adobe Garamond Pro Bold" panose="02020702060506020403" pitchFamily="18" charset="0"/>
               </a:rPr>
               <a:t>no </a:t>
             </a:r>
             <a:r>
-              <a:rPr lang="en-GB" sz="9600" dirty="0" err="1">
+              <a:rPr lang="en-GB" sz="8800" dirty="0" err="1">
                 <a:latin typeface="Adobe Garamond Pro Bold" panose="02020702060506020403" pitchFamily="18" charset="0"/>
               </a:rPr>
               <a:t>nifidy</a:t>
             </a:r>
             <a:r>
-              <a:rPr lang="en-GB" sz="9600" dirty="0" smtClean="0">
+              <a:rPr lang="en-GB" sz="8800" dirty="0" smtClean="0">
                 <a:latin typeface="Adobe Garamond Pro Bold" panose="02020702060506020403" pitchFamily="18" charset="0"/>
               </a:rPr>
               <a:t>,</a:t>
             </a:r>
-            <a:endParaRPr lang="fr-FR" sz="9600" dirty="0">
+            <a:endParaRPr lang="fr-FR" sz="8800" dirty="0">
               <a:latin typeface="Adobe Garamond Pro Bold" panose="02020702060506020403" pitchFamily="18" charset="0"/>
             </a:endParaRPr>
           </a:p>
           <a:p>
             <a:pPr algn="ctr"/>
             <a:r>
-              <a:rPr lang="en-GB" sz="9600" dirty="0" smtClean="0">
+              <a:rPr lang="en-GB" sz="8800" dirty="0" smtClean="0">
                 <a:latin typeface="Adobe Garamond Pro Bold" panose="02020702060506020403" pitchFamily="18" charset="0"/>
               </a:rPr>
               <a:t>  </a:t>
             </a:r>
             <a:r>
-              <a:rPr lang="en-GB" sz="9600" dirty="0" err="1" smtClean="0">
+              <a:rPr lang="en-GB" sz="8800" dirty="0" err="1" smtClean="0">
                 <a:latin typeface="Adobe Garamond Pro Bold" panose="02020702060506020403" pitchFamily="18" charset="0"/>
               </a:rPr>
               <a:t>Tsy</a:t>
             </a:r>
             <a:r>
-              <a:rPr lang="en-GB" sz="9600" dirty="0" smtClean="0">
-                <a:latin typeface="Adobe Garamond Pro Bold" panose="02020702060506020403" pitchFamily="18" charset="0"/>
-              </a:rPr>
-              <a:t> </a:t>
-            </a:r>
-            <a:r>
-              <a:rPr lang="en-GB" sz="9600" dirty="0" err="1">
+              <a:rPr lang="en-GB" sz="8800" dirty="0" smtClean="0">
+                <a:latin typeface="Adobe Garamond Pro Bold" panose="02020702060506020403" pitchFamily="18" charset="0"/>
+              </a:rPr>
+              <a:t> </a:t>
+            </a:r>
+            <a:r>
+              <a:rPr lang="en-GB" sz="8800" dirty="0" err="1">
                 <a:latin typeface="Adobe Garamond Pro Bold" panose="02020702060506020403" pitchFamily="18" charset="0"/>
               </a:rPr>
               <a:t>haiko</a:t>
             </a:r>
             <a:r>
-              <a:rPr lang="en-GB" sz="9600" dirty="0">
-                <a:latin typeface="Adobe Garamond Pro Bold" panose="02020702060506020403" pitchFamily="18" charset="0"/>
-              </a:rPr>
-              <a:t> </a:t>
-            </a:r>
-            <a:r>
-              <a:rPr lang="en-GB" sz="9600" dirty="0" err="1">
+              <a:rPr lang="en-GB" sz="8800" dirty="0">
+                <a:latin typeface="Adobe Garamond Pro Bold" panose="02020702060506020403" pitchFamily="18" charset="0"/>
+              </a:rPr>
+              <a:t> </a:t>
+            </a:r>
+            <a:r>
+              <a:rPr lang="en-GB" sz="8800" dirty="0" err="1">
                 <a:latin typeface="Adobe Garamond Pro Bold" panose="02020702060506020403" pitchFamily="18" charset="0"/>
               </a:rPr>
               <a:t>ny</a:t>
             </a:r>
             <a:r>
-              <a:rPr lang="en-GB" sz="9600" dirty="0">
-                <a:latin typeface="Adobe Garamond Pro Bold" panose="02020702060506020403" pitchFamily="18" charset="0"/>
-              </a:rPr>
-              <a:t> </a:t>
-            </a:r>
-            <a:r>
-              <a:rPr lang="en-GB" sz="9600" dirty="0" err="1">
+              <a:rPr lang="en-GB" sz="8800" dirty="0">
+                <a:latin typeface="Adobe Garamond Pro Bold" panose="02020702060506020403" pitchFamily="18" charset="0"/>
+              </a:rPr>
+              <a:t> </a:t>
+            </a:r>
+            <a:r>
+              <a:rPr lang="en-GB" sz="8800" dirty="0" err="1">
                 <a:latin typeface="Adobe Garamond Pro Bold" panose="02020702060506020403" pitchFamily="18" charset="0"/>
               </a:rPr>
               <a:t>nandà</a:t>
             </a:r>
-            <a:endParaRPr lang="fr-FR" sz="9600" dirty="0" smtClean="0">
+            <a:endParaRPr lang="fr-FR" sz="8800" dirty="0" smtClean="0">
               <a:effectLst/>
               <a:latin typeface="Adobe Garamond Pro Bold" panose="02020702060506020403" pitchFamily="18" charset="0"/>
             </a:endParaRPr>
@@ -6244,48 +6244,48 @@
           <a:p>
             <a:pPr algn="ctr"/>
             <a:r>
-              <a:rPr lang="en-GB" sz="9600" dirty="0">
+              <a:rPr lang="en-GB" sz="8800" dirty="0">
                 <a:latin typeface="Adobe Garamond Pro Bold" panose="02020702060506020403" pitchFamily="18" charset="0"/>
               </a:rPr>
               <a:t>  </a:t>
             </a:r>
             <a:r>
-              <a:rPr lang="en-GB" sz="9600" dirty="0" smtClean="0">
+              <a:rPr lang="en-GB" sz="8800" dirty="0" smtClean="0">
                 <a:latin typeface="Adobe Garamond Pro Bold" panose="02020702060506020403" pitchFamily="18" charset="0"/>
               </a:rPr>
               <a:t>‘ </a:t>
             </a:r>
             <a:r>
-              <a:rPr lang="en-GB" sz="9600" dirty="0">
+              <a:rPr lang="en-GB" sz="8800" dirty="0">
                 <a:latin typeface="Adobe Garamond Pro Bold" panose="02020702060506020403" pitchFamily="18" charset="0"/>
               </a:rPr>
               <a:t>Ty </a:t>
             </a:r>
             <a:r>
-              <a:rPr lang="en-GB" sz="9600" dirty="0" err="1">
+              <a:rPr lang="en-GB" sz="8800" dirty="0" err="1">
                 <a:latin typeface="Adobe Garamond Pro Bold" panose="02020702060506020403" pitchFamily="18" charset="0"/>
               </a:rPr>
               <a:t>antso</a:t>
             </a:r>
             <a:r>
-              <a:rPr lang="en-GB" sz="9600" dirty="0">
-                <a:latin typeface="Adobe Garamond Pro Bold" panose="02020702060506020403" pitchFamily="18" charset="0"/>
-              </a:rPr>
-              <a:t> </a:t>
-            </a:r>
-            <a:r>
-              <a:rPr lang="en-GB" sz="9600" dirty="0" err="1">
+              <a:rPr lang="en-GB" sz="8800" dirty="0">
+                <a:latin typeface="Adobe Garamond Pro Bold" panose="02020702060506020403" pitchFamily="18" charset="0"/>
+              </a:rPr>
+              <a:t> </a:t>
+            </a:r>
+            <a:r>
+              <a:rPr lang="en-GB" sz="8800" dirty="0" err="1">
                 <a:latin typeface="Adobe Garamond Pro Bold" panose="02020702060506020403" pitchFamily="18" charset="0"/>
               </a:rPr>
               <a:t>sarobidy</a:t>
             </a:r>
             <a:r>
-              <a:rPr lang="en-GB" sz="9600" dirty="0">
-                <a:latin typeface="Adobe Garamond Pro Bold" panose="02020702060506020403" pitchFamily="18" charset="0"/>
-              </a:rPr>
-              <a:t> </a:t>
-            </a:r>
-            <a:endParaRPr lang="fr-FR" sz="9600" dirty="0" smtClean="0">
+              <a:rPr lang="en-GB" sz="8800" dirty="0">
+                <a:latin typeface="Adobe Garamond Pro Bold" panose="02020702060506020403" pitchFamily="18" charset="0"/>
+              </a:rPr>
+              <a:t> </a:t>
+            </a:r>
+            <a:endParaRPr lang="fr-FR" sz="8800" dirty="0" smtClean="0">
               <a:effectLst/>
               <a:latin typeface="Adobe Garamond Pro Bold" panose="02020702060506020403" pitchFamily="18" charset="0"/>
             </a:endParaRPr>
@@ -6293,48 +6293,48 @@
           <a:p>
             <a:pPr algn="ctr"/>
             <a:r>
-              <a:rPr lang="en-GB" sz="9600" dirty="0">
+              <a:rPr lang="en-GB" sz="8800" dirty="0">
                 <a:latin typeface="Adobe Garamond Pro Bold" panose="02020702060506020403" pitchFamily="18" charset="0"/>
               </a:rPr>
               <a:t>   </a:t>
             </a:r>
             <a:r>
-              <a:rPr lang="en-GB" sz="9600" dirty="0" err="1" smtClean="0">
+              <a:rPr lang="en-GB" sz="8800" dirty="0" err="1" smtClean="0">
                 <a:latin typeface="Adobe Garamond Pro Bold" panose="02020702060506020403" pitchFamily="18" charset="0"/>
               </a:rPr>
               <a:t>Ry</a:t>
             </a:r>
             <a:r>
-              <a:rPr lang="en-GB" sz="9600" dirty="0" smtClean="0">
-                <a:latin typeface="Adobe Garamond Pro Bold" panose="02020702060506020403" pitchFamily="18" charset="0"/>
-              </a:rPr>
-              <a:t> </a:t>
-            </a:r>
-            <a:r>
-              <a:rPr lang="en-GB" sz="9600" dirty="0" err="1">
+              <a:rPr lang="en-GB" sz="8800" dirty="0" smtClean="0">
+                <a:latin typeface="Adobe Garamond Pro Bold" panose="02020702060506020403" pitchFamily="18" charset="0"/>
+              </a:rPr>
+              <a:t> </a:t>
+            </a:r>
+            <a:r>
+              <a:rPr lang="en-GB" sz="8800" dirty="0" err="1">
                 <a:latin typeface="Adobe Garamond Pro Bold" panose="02020702060506020403" pitchFamily="18" charset="0"/>
               </a:rPr>
               <a:t>Tompo</a:t>
             </a:r>
             <a:r>
-              <a:rPr lang="en-GB" sz="9600" dirty="0">
+              <a:rPr lang="en-GB" sz="8800" dirty="0">
                 <a:latin typeface="Adobe Garamond Pro Bold" panose="02020702060506020403" pitchFamily="18" charset="0"/>
               </a:rPr>
               <a:t>, </a:t>
             </a:r>
             <a:r>
-              <a:rPr lang="en-GB" sz="9600" dirty="0" err="1" smtClean="0">
+              <a:rPr lang="en-GB" sz="8800" dirty="0" err="1" smtClean="0">
                 <a:latin typeface="Adobe Garamond Pro Bold" panose="02020702060506020403" pitchFamily="18" charset="0"/>
               </a:rPr>
               <a:t>mamelà</a:t>
             </a:r>
             <a:r>
-              <a:rPr lang="en-GB" sz="9600" dirty="0" smtClean="0">
+              <a:rPr lang="en-GB" sz="8800" dirty="0" smtClean="0">
                 <a:latin typeface="Adobe Garamond Pro Bold" panose="02020702060506020403" pitchFamily="18" charset="0"/>
               </a:rPr>
               <a:t>   </a:t>
             </a:r>
-            <a:endParaRPr lang="fr-FR" sz="9600" dirty="0">
+            <a:endParaRPr lang="fr-FR" sz="8800" dirty="0">
               <a:latin typeface="Adobe Garamond Pro Bold" panose="02020702060506020403" pitchFamily="18" charset="0"/>
             </a:endParaRPr>
           </a:p>
